--- a/slides/intro-to-fcc-js-algorithms.pptx
+++ b/slides/intro-to-fcc-js-algorithms.pptx
@@ -116,6 +116,11 @@
       </a:defRPr>
     </a:lvl9pPr>
   </p:defaultTextStyle>
+  <p:extLst>
+    <p:ext uri="{EFAFB233-063F-42B5-8137-9DF3F51BA10A}">
+      <p15:sldGuideLst xmlns:p15="http://schemas.microsoft.com/office/powerpoint/2012/main"/>
+    </p:ext>
+  </p:extLst>
 </p:presentation>
 </file>
 
@@ -349,7 +354,7 @@
             <a:fld id="{B61BEF0D-F0BB-DE4B-95CE-6DB70DBA9567}" type="datetimeFigureOut">
               <a:rPr lang="en-US" dirty="0"/>
               <a:pPr/>
-              <a:t>6/6/19</a:t>
+              <a:t>6/9/19</a:t>
             </a:fld>
             <a:endParaRPr lang="en-US" dirty="0"/>
           </a:p>
@@ -680,7 +685,7 @@
             <a:fld id="{B61BEF0D-F0BB-DE4B-95CE-6DB70DBA9567}" type="datetimeFigureOut">
               <a:rPr lang="en-US" dirty="0"/>
               <a:pPr/>
-              <a:t>6/6/19</a:t>
+              <a:t>6/9/19</a:t>
             </a:fld>
             <a:endParaRPr lang="en-US" dirty="0"/>
           </a:p>
@@ -955,7 +960,7 @@
             <a:fld id="{B61BEF0D-F0BB-DE4B-95CE-6DB70DBA9567}" type="datetimeFigureOut">
               <a:rPr lang="en-US" dirty="0"/>
               <a:pPr/>
-              <a:t>6/6/19</a:t>
+              <a:t>6/9/19</a:t>
             </a:fld>
             <a:endParaRPr lang="en-US" dirty="0"/>
           </a:p>
@@ -1520,7 +1525,7 @@
             <a:fld id="{B61BEF0D-F0BB-DE4B-95CE-6DB70DBA9567}" type="datetimeFigureOut">
               <a:rPr lang="en-US" dirty="0"/>
               <a:pPr/>
-              <a:t>6/6/19</a:t>
+              <a:t>6/9/19</a:t>
             </a:fld>
             <a:endParaRPr lang="en-US" dirty="0"/>
           </a:p>
@@ -1795,7 +1800,7 @@
             <a:fld id="{B61BEF0D-F0BB-DE4B-95CE-6DB70DBA9567}" type="datetimeFigureOut">
               <a:rPr lang="en-US" dirty="0"/>
               <a:pPr/>
-              <a:t>6/6/19</a:t>
+              <a:t>6/9/19</a:t>
             </a:fld>
             <a:endParaRPr lang="en-US" dirty="0"/>
           </a:p>
@@ -2354,7 +2359,7 @@
             <a:fld id="{B61BEF0D-F0BB-DE4B-95CE-6DB70DBA9567}" type="datetimeFigureOut">
               <a:rPr lang="en-US" dirty="0"/>
               <a:pPr/>
-              <a:t>6/6/19</a:t>
+              <a:t>6/9/19</a:t>
             </a:fld>
             <a:endParaRPr lang="en-US" dirty="0"/>
           </a:p>
@@ -2678,7 +2683,7 @@
             <a:fld id="{B61BEF0D-F0BB-DE4B-95CE-6DB70DBA9567}" type="datetimeFigureOut">
               <a:rPr lang="en-US" dirty="0"/>
               <a:pPr/>
-              <a:t>6/6/19</a:t>
+              <a:t>6/9/19</a:t>
             </a:fld>
             <a:endParaRPr lang="en-US" dirty="0"/>
           </a:p>
@@ -2852,7 +2857,7 @@
             <a:fld id="{B61BEF0D-F0BB-DE4B-95CE-6DB70DBA9567}" type="datetimeFigureOut">
               <a:rPr lang="en-US" dirty="0"/>
               <a:pPr/>
-              <a:t>6/6/19</a:t>
+              <a:t>6/9/19</a:t>
             </a:fld>
             <a:endParaRPr lang="en-US" dirty="0"/>
           </a:p>
@@ -3087,7 +3092,7 @@
             <a:fld id="{B61BEF0D-F0BB-DE4B-95CE-6DB70DBA9567}" type="datetimeFigureOut">
               <a:rPr lang="en-US" dirty="0"/>
               <a:pPr/>
-              <a:t>6/6/19</a:t>
+              <a:t>6/9/19</a:t>
             </a:fld>
             <a:endParaRPr lang="en-US" dirty="0"/>
           </a:p>
@@ -3284,7 +3289,7 @@
             <a:fld id="{B61BEF0D-F0BB-DE4B-95CE-6DB70DBA9567}" type="datetimeFigureOut">
               <a:rPr lang="en-US" dirty="0"/>
               <a:pPr/>
-              <a:t>6/6/19</a:t>
+              <a:t>6/9/19</a:t>
             </a:fld>
             <a:endParaRPr lang="en-US" dirty="0"/>
           </a:p>
@@ -3557,7 +3562,7 @@
             <a:fld id="{B61BEF0D-F0BB-DE4B-95CE-6DB70DBA9567}" type="datetimeFigureOut">
               <a:rPr lang="en-US" dirty="0"/>
               <a:pPr/>
-              <a:t>6/6/19</a:t>
+              <a:t>6/9/19</a:t>
             </a:fld>
             <a:endParaRPr lang="en-US" dirty="0"/>
           </a:p>
@@ -3820,7 +3825,7 @@
             <a:fld id="{B61BEF0D-F0BB-DE4B-95CE-6DB70DBA9567}" type="datetimeFigureOut">
               <a:rPr lang="en-US" dirty="0"/>
               <a:pPr/>
-              <a:t>6/6/19</a:t>
+              <a:t>6/9/19</a:t>
             </a:fld>
             <a:endParaRPr lang="en-US" dirty="0"/>
           </a:p>
@@ -4191,7 +4196,7 @@
             <a:fld id="{B61BEF0D-F0BB-DE4B-95CE-6DB70DBA9567}" type="datetimeFigureOut">
               <a:rPr lang="en-US" dirty="0"/>
               <a:pPr/>
-              <a:t>6/6/19</a:t>
+              <a:t>6/9/19</a:t>
             </a:fld>
             <a:endParaRPr lang="en-US" dirty="0"/>
           </a:p>
@@ -4336,7 +4341,7 @@
             <a:fld id="{B61BEF0D-F0BB-DE4B-95CE-6DB70DBA9567}" type="datetimeFigureOut">
               <a:rPr lang="en-US" dirty="0"/>
               <a:pPr/>
-              <a:t>6/6/19</a:t>
+              <a:t>6/9/19</a:t>
             </a:fld>
             <a:endParaRPr lang="en-US" dirty="0"/>
           </a:p>
@@ -4458,7 +4463,7 @@
             <a:fld id="{B61BEF0D-F0BB-DE4B-95CE-6DB70DBA9567}" type="datetimeFigureOut">
               <a:rPr lang="en-US" dirty="0"/>
               <a:pPr/>
-              <a:t>6/6/19</a:t>
+              <a:t>6/9/19</a:t>
             </a:fld>
             <a:endParaRPr lang="en-US" dirty="0"/>
           </a:p>
@@ -4740,7 +4745,7 @@
             <a:fld id="{B61BEF0D-F0BB-DE4B-95CE-6DB70DBA9567}" type="datetimeFigureOut">
               <a:rPr lang="en-US" dirty="0"/>
               <a:pPr/>
-              <a:t>6/6/19</a:t>
+              <a:t>6/9/19</a:t>
             </a:fld>
             <a:endParaRPr lang="en-US" dirty="0"/>
           </a:p>
@@ -5061,7 +5066,7 @@
             <a:fld id="{B61BEF0D-F0BB-DE4B-95CE-6DB70DBA9567}" type="datetimeFigureOut">
               <a:rPr lang="en-US" dirty="0"/>
               <a:pPr/>
-              <a:t>6/6/19</a:t>
+              <a:t>6/9/19</a:t>
             </a:fld>
             <a:endParaRPr lang="en-US" dirty="0"/>
           </a:p>
@@ -5272,7 +5277,7 @@
             <a:fld id="{B61BEF0D-F0BB-DE4B-95CE-6DB70DBA9567}" type="datetimeFigureOut">
               <a:rPr lang="en-US" dirty="0"/>
               <a:pPr/>
-              <a:t>6/6/19</a:t>
+              <a:t>6/9/19</a:t>
             </a:fld>
             <a:endParaRPr lang="en-US" dirty="0"/>
           </a:p>
@@ -6391,8 +6396,8 @@
         </p:nvSpPr>
         <p:spPr>
           <a:xfrm>
-            <a:off x="862013" y="1438858"/>
-            <a:ext cx="9905999" cy="4890497"/>
+            <a:off x="862011" y="1456267"/>
+            <a:ext cx="9905999" cy="5105065"/>
           </a:xfrm>
         </p:spPr>
         <p:txBody>
@@ -6423,6 +6428,13 @@
             <a:r>
               <a:rPr lang="en-US" sz="2400" dirty="0"/>
               <a:t>Developing web and network applications for 6 years</a:t>
+            </a:r>
+          </a:p>
+          <a:p>
+            <a:pPr lvl="1"/>
+            <a:r>
+              <a:rPr lang="en-US" sz="2400" dirty="0"/>
+              <a:t>Work primarily in Angular, Vue, and NodeJS</a:t>
             </a:r>
           </a:p>
           <a:p>
